--- a/IAAC-Dia2.pptx
+++ b/IAAC-Dia2.pptx
@@ -38,6 +38,8 @@
     <p:sldId id="283" r:id="rId35"/>
     <p:sldId id="284" r:id="rId36"/>
     <p:sldId id="285" r:id="rId37"/>
+    <p:sldId id="286" r:id="rId38"/>
+    <p:sldId id="287" r:id="rId39"/>
   </p:sldIdLst>
   <p:sldSz cx="24384000" cy="13716000"/>
   <p:notesSz cx="6858000" cy="9144000"/>
@@ -7906,6 +7908,169 @@
 </p:sld>
 </file>
 
+<file path=ppt/slides/slide31.xml><?xml version="1.0" encoding="utf-8"?>
+<p:sld xmlns:a="http://schemas.openxmlformats.org/drawingml/2006/main" xmlns:r="http://schemas.openxmlformats.org/officeDocument/2006/relationships" xmlns:p="http://schemas.openxmlformats.org/presentationml/2006/main" xmlns:m="http://schemas.openxmlformats.org/officeDocument/2006/math" xmlns:a14="http://schemas.microsoft.com/office/drawing/2010/main" showMasterSp="1" showMasterPhAnim="1">
+  <p:cSld>
+    <p:spTree>
+      <p:nvGrpSpPr>
+        <p:cNvPr id="1" name=""/>
+        <p:cNvGrpSpPr/>
+        <p:nvPr/>
+      </p:nvGrpSpPr>
+      <p:grpSpPr>
+        <a:xfrm>
+          <a:off x="0" y="0"/>
+          <a:ext cx="0" cy="0"/>
+          <a:chOff x="0" y="0"/>
+          <a:chExt cx="0" cy="0"/>
+        </a:xfrm>
+      </p:grpSpPr>
+      <p:sp>
+        <p:nvSpPr>
+          <p:cNvPr id="315" name="Futuro"/>
+          <p:cNvSpPr txBox="1"/>
+          <p:nvPr>
+            <p:ph type="title"/>
+          </p:nvPr>
+        </p:nvSpPr>
+        <p:spPr>
+          <a:prstGeom prst="rect">
+            <a:avLst/>
+          </a:prstGeom>
+        </p:spPr>
+        <p:txBody>
+          <a:bodyPr/>
+          <a:lstStyle/>
+          <a:p>
+            <a:pPr/>
+            <a:r>
+              <a:t>Futuro </a:t>
+            </a:r>
+          </a:p>
+        </p:txBody>
+      </p:sp>
+      <p:sp>
+        <p:nvSpPr>
+          <p:cNvPr id="316" name="Copilot"/>
+          <p:cNvSpPr txBox="1"/>
+          <p:nvPr>
+            <p:ph type="body" idx="21"/>
+          </p:nvPr>
+        </p:nvSpPr>
+        <p:spPr>
+          <a:prstGeom prst="rect">
+            <a:avLst/>
+          </a:prstGeom>
+          <a:extLst>
+            <a:ext uri="{C572A759-6A51-4108-AA02-DFA0A04FC94B}">
+              <ma14:wrappingTextBoxFlag xmlns:ma14="http://schemas.microsoft.com/office/mac/drawingml/2011/main" val="1"/>
+            </a:ext>
+          </a:extLst>
+        </p:spPr>
+        <p:txBody>
+          <a:bodyPr/>
+          <a:lstStyle/>
+          <a:p>
+            <a:pPr/>
+            <a:r>
+              <a:t>Copilot</a:t>
+            </a:r>
+          </a:p>
+        </p:txBody>
+      </p:sp>
+      <p:pic>
+        <p:nvPicPr>
+          <p:cNvPr id="317" name="Captura de pantalla 2025-04-03 a las 9.09.22.png" descr="Captura de pantalla 2025-04-03 a las 9.09.22.png"/>
+          <p:cNvPicPr>
+            <a:picLocks noChangeAspect="1"/>
+          </p:cNvPicPr>
+          <p:nvPr/>
+        </p:nvPicPr>
+        <p:blipFill>
+          <a:blip r:embed="rId2">
+            <a:extLst/>
+          </a:blip>
+          <a:stretch>
+            <a:fillRect/>
+          </a:stretch>
+        </p:blipFill>
+        <p:spPr>
+          <a:xfrm>
+            <a:off x="6664817" y="3840587"/>
+            <a:ext cx="10106595" cy="3029225"/>
+          </a:xfrm>
+          <a:prstGeom prst="rect">
+            <a:avLst/>
+          </a:prstGeom>
+          <a:ln w="12700">
+            <a:miter lim="400000"/>
+          </a:ln>
+        </p:spPr>
+      </p:pic>
+    </p:spTree>
+  </p:cSld>
+  <p:clrMapOvr>
+    <a:masterClrMapping/>
+  </p:clrMapOvr>
+  <p:transition xmlns:p14="http://schemas.microsoft.com/office/powerpoint/2010/main" spd="med" advClick="1"/>
+</p:sld>
+</file>
+
+<file path=ppt/slides/slide32.xml><?xml version="1.0" encoding="utf-8"?>
+<p:sld xmlns:a="http://schemas.openxmlformats.org/drawingml/2006/main" xmlns:r="http://schemas.openxmlformats.org/officeDocument/2006/relationships" xmlns:p="http://schemas.openxmlformats.org/presentationml/2006/main" xmlns:m="http://schemas.openxmlformats.org/officeDocument/2006/math" xmlns:a14="http://schemas.microsoft.com/office/drawing/2010/main" showMasterSp="1" showMasterPhAnim="1">
+  <p:cSld>
+    <p:spTree>
+      <p:nvGrpSpPr>
+        <p:cNvPr id="1" name=""/>
+        <p:cNvGrpSpPr/>
+        <p:nvPr/>
+      </p:nvGrpSpPr>
+      <p:grpSpPr>
+        <a:xfrm>
+          <a:off x="0" y="0"/>
+          <a:ext cx="0" cy="0"/>
+          <a:chOff x="0" y="0"/>
+          <a:chExt cx="0" cy="0"/>
+        </a:xfrm>
+      </p:grpSpPr>
+      <p:pic>
+        <p:nvPicPr>
+          <p:cNvPr id="319" name="Captura de pantalla 2025-04-03 a las 9.09.11.png" descr="Captura de pantalla 2025-04-03 a las 9.09.11.png"/>
+          <p:cNvPicPr>
+            <a:picLocks noChangeAspect="1"/>
+          </p:cNvPicPr>
+          <p:nvPr/>
+        </p:nvPicPr>
+        <p:blipFill>
+          <a:blip r:embed="rId2">
+            <a:extLst/>
+          </a:blip>
+          <a:stretch>
+            <a:fillRect/>
+          </a:stretch>
+        </p:blipFill>
+        <p:spPr>
+          <a:xfrm>
+            <a:off x="3219951" y="1469710"/>
+            <a:ext cx="17944098" cy="10477970"/>
+          </a:xfrm>
+          <a:prstGeom prst="rect">
+            <a:avLst/>
+          </a:prstGeom>
+          <a:ln w="12700">
+            <a:miter lim="400000"/>
+          </a:ln>
+        </p:spPr>
+      </p:pic>
+    </p:spTree>
+  </p:cSld>
+  <p:clrMapOvr>
+    <a:masterClrMapping/>
+  </p:clrMapOvr>
+  <p:transition xmlns:p14="http://schemas.microsoft.com/office/powerpoint/2010/main" spd="med" advClick="1"/>
+</p:sld>
+</file>
+
 <file path=ppt/slides/slide4.xml><?xml version="1.0" encoding="utf-8"?>
 <p:sld xmlns:a="http://schemas.openxmlformats.org/drawingml/2006/main" xmlns:r="http://schemas.openxmlformats.org/officeDocument/2006/relationships" xmlns:p="http://schemas.openxmlformats.org/presentationml/2006/main" xmlns:m="http://schemas.openxmlformats.org/officeDocument/2006/math" xmlns:a14="http://schemas.microsoft.com/office/drawing/2010/main" showMasterSp="1" showMasterPhAnim="1">
   <p:cSld>
